--- a/企画書4.pptx
+++ b/企画書4.pptx
@@ -3477,18 +3477,7 @@
                   </a:schemeClr>
                 </a:solidFill>
               </a:rPr>
-              <a:t>企画種類：</a:t>
-            </a:r>
-            <a:r>
-              <a:rPr kumimoji="1" lang="ja-JP" altLang="en-US" dirty="0" smtClean="0">
-                <a:solidFill>
-                  <a:schemeClr val="tx1">
-                    <a:lumMod val="75000"/>
-                    <a:lumOff val="25000"/>
-                  </a:schemeClr>
-                </a:solidFill>
-              </a:rPr>
-              <a:t>オリジナル</a:t>
+              <a:t>企画種類：オリジナル</a:t>
             </a:r>
             <a:endParaRPr kumimoji="1" lang="en-US" altLang="ja-JP" dirty="0" smtClean="0">
               <a:solidFill>
@@ -4226,11 +4215,7 @@
             </a:pPr>
             <a:r>
               <a:rPr kumimoji="1" lang="ja-JP" altLang="en-US" dirty="0" smtClean="0"/>
-              <a:t>新しい</a:t>
-            </a:r>
-            <a:r>
-              <a:rPr kumimoji="1" lang="ja-JP" altLang="en-US" dirty="0" smtClean="0"/>
-              <a:t>技術への挑戦</a:t>
+              <a:t>新しい技術への挑戦</a:t>
             </a:r>
             <a:endParaRPr kumimoji="1" lang="ja-JP" altLang="en-US" dirty="0"/>
           </a:p>
@@ -5476,22 +5461,6 @@
               </a:rPr>
               <a:t>)</a:t>
             </a:r>
-            <a:endParaRPr kumimoji="1" lang="en-US" altLang="ja-JP" sz="2000" b="0" u="sng" strike="noStrike" kern="1200" cap="none" spc="0" normalizeH="0" baseline="0" noProof="0" dirty="0" smtClean="0">
-              <a:ln>
-                <a:noFill/>
-              </a:ln>
-              <a:solidFill>
-                <a:schemeClr val="accent3">
-                  <a:lumMod val="50000"/>
-                </a:schemeClr>
-              </a:solidFill>
-              <a:effectLst/>
-              <a:uLnTx/>
-              <a:uFillTx/>
-              <a:latin typeface="+mn-lt"/>
-              <a:ea typeface="+mn-ea"/>
-              <a:cs typeface="+mn-cs"/>
-            </a:endParaRPr>
           </a:p>
         </p:txBody>
       </p:sp>
@@ -6112,11 +6081,7 @@
             </a:pPr>
             <a:r>
               <a:rPr kumimoji="1" lang="en-US" altLang="ja-JP" dirty="0" smtClean="0"/>
-              <a:t>1</a:t>
-            </a:r>
-            <a:r>
-              <a:rPr kumimoji="1" lang="en-US" altLang="ja-JP" dirty="0" smtClean="0"/>
-              <a:t>.</a:t>
+              <a:t>1.</a:t>
             </a:r>
             <a:r>
               <a:rPr kumimoji="1" lang="ja-JP" altLang="en-US" dirty="0" smtClean="0"/>
@@ -7403,17 +7368,7 @@
                   </a:schemeClr>
                 </a:solidFill>
               </a:rPr>
-              <a:t>それぞれ</a:t>
-            </a:r>
-            <a:r>
-              <a:rPr lang="ja-JP" altLang="en-US" sz="1400" dirty="0" smtClean="0">
-                <a:solidFill>
-                  <a:schemeClr val="accent3">
-                    <a:lumMod val="50000"/>
-                  </a:schemeClr>
-                </a:solidFill>
-              </a:rPr>
-              <a:t>のアクションが使える</a:t>
+              <a:t>それぞれのアクションが使える</a:t>
             </a:r>
             <a:endParaRPr lang="en-US" altLang="ja-JP" sz="1400" dirty="0" smtClean="0">
               <a:solidFill>
@@ -7964,17 +7919,7 @@
                   </a:schemeClr>
                 </a:solidFill>
               </a:rPr>
-              <a:t>乗っ取る</a:t>
-            </a:r>
-            <a:r>
-              <a:rPr lang="ja-JP" altLang="en-US" sz="1400" dirty="0" smtClean="0">
-                <a:solidFill>
-                  <a:schemeClr val="accent3">
-                    <a:lumMod val="50000"/>
-                  </a:schemeClr>
-                </a:solidFill>
-              </a:rPr>
-              <a:t>条件</a:t>
+              <a:t>乗っ取る条件</a:t>
             </a:r>
             <a:endParaRPr lang="en-US" altLang="ja-JP" sz="1400" dirty="0" smtClean="0">
               <a:solidFill>
@@ -10239,37 +10184,7 @@
                   </a:schemeClr>
                 </a:solidFill>
               </a:rPr>
-              <a:t>かつて</a:t>
-            </a:r>
-            <a:r>
-              <a:rPr lang="ja-JP" altLang="en-US" sz="1600" dirty="0" smtClean="0">
-                <a:solidFill>
-                  <a:schemeClr val="accent3">
-                    <a:lumMod val="50000"/>
-                  </a:schemeClr>
-                </a:solidFill>
-              </a:rPr>
-              <a:t>世界には</a:t>
-            </a:r>
-            <a:r>
-              <a:rPr lang="ja-JP" altLang="en-US" sz="1600" dirty="0" smtClean="0">
-                <a:solidFill>
-                  <a:schemeClr val="accent3">
-                    <a:lumMod val="50000"/>
-                  </a:schemeClr>
-                </a:solidFill>
-              </a:rPr>
-              <a:t>魔が満ちて</a:t>
-            </a:r>
-            <a:r>
-              <a:rPr lang="ja-JP" altLang="en-US" sz="1600" dirty="0" smtClean="0">
-                <a:solidFill>
-                  <a:schemeClr val="accent3">
-                    <a:lumMod val="50000"/>
-                  </a:schemeClr>
-                </a:solidFill>
-              </a:rPr>
-              <a:t>いた</a:t>
+              <a:t>かつて世界には魔が満ちていた</a:t>
             </a:r>
             <a:endParaRPr lang="en-US" altLang="ja-JP" sz="1600" dirty="0" smtClean="0">
               <a:solidFill>
@@ -10365,7 +10280,7 @@
                   </a:schemeClr>
                 </a:solidFill>
               </a:rPr>
-              <a:t>ちなみ</a:t>
+              <a:t>ちなみに、供養とは動けないよう</a:t>
             </a:r>
             <a:r>
               <a:rPr lang="ja-JP" altLang="en-US" sz="1000" dirty="0" smtClean="0">
@@ -10375,7 +10290,7 @@
                   </a:schemeClr>
                 </a:solidFill>
               </a:rPr>
-              <a:t>に、供養</a:t>
+              <a:t>にバラバラ</a:t>
             </a:r>
             <a:r>
               <a:rPr lang="ja-JP" altLang="en-US" sz="1000" dirty="0" smtClean="0">
@@ -10385,27 +10300,7 @@
                   </a:schemeClr>
                 </a:solidFill>
               </a:rPr>
-              <a:t>とは動けないように動けないように</a:t>
-            </a:r>
-            <a:r>
-              <a:rPr lang="ja-JP" altLang="en-US" sz="1000" dirty="0" smtClean="0">
-                <a:solidFill>
-                  <a:schemeClr val="bg1">
-                    <a:lumMod val="75000"/>
-                  </a:schemeClr>
-                </a:solidFill>
-              </a:rPr>
-              <a:t>バラバラに</a:t>
-            </a:r>
-            <a:r>
-              <a:rPr lang="ja-JP" altLang="en-US" sz="1000" dirty="0" smtClean="0">
-                <a:solidFill>
-                  <a:schemeClr val="bg1">
-                    <a:lumMod val="75000"/>
-                  </a:schemeClr>
-                </a:solidFill>
-              </a:rPr>
-              <a:t>したあと埋めることを優しく言っただけだ</a:t>
+              <a:t>にしたあと埋めることを優しく言っただけだ</a:t>
             </a:r>
           </a:p>
           <a:p>
@@ -10438,17 +10333,37 @@
                   </a:schemeClr>
                 </a:solidFill>
               </a:rPr>
-              <a:t>だが</a:t>
-            </a:r>
-            <a:r>
-              <a:rPr lang="ja-JP" altLang="en-US" sz="1600" dirty="0" smtClean="0">
+              <a:t>だが、時に</a:t>
+            </a:r>
+            <a:r>
+              <a:rPr lang="ja-JP" altLang="en-US" sz="1600" smtClean="0">
                 <a:solidFill>
                   <a:schemeClr val="accent3">
                     <a:lumMod val="50000"/>
                   </a:schemeClr>
                 </a:solidFill>
               </a:rPr>
-              <a:t>、時には忘れ去られた墓地もある</a:t>
+              <a:t>は</a:t>
+            </a:r>
+            <a:r>
+              <a:rPr lang="ja-JP" altLang="en-US" sz="1600" smtClean="0">
+                <a:solidFill>
+                  <a:schemeClr val="accent3">
+                    <a:lumMod val="50000"/>
+                  </a:schemeClr>
+                </a:solidFill>
+              </a:rPr>
+              <a:t>忘れ去られた土地も</a:t>
+            </a:r>
+            <a:r>
+              <a:rPr lang="ja-JP" altLang="en-US" sz="1600" dirty="0" smtClean="0">
+                <a:solidFill>
+                  <a:schemeClr val="accent3">
+                    <a:lumMod val="50000"/>
+                  </a:schemeClr>
+                </a:solidFill>
+              </a:rPr>
+              <a:t>ある</a:t>
             </a:r>
           </a:p>
           <a:p>
@@ -10509,25 +10424,8 @@
                   </a:schemeClr>
                 </a:solidFill>
               </a:rPr>
-              <a:t>人手などいらないの</a:t>
-            </a:r>
-            <a:r>
-              <a:rPr lang="ja-JP" altLang="en-US" sz="1600" dirty="0" smtClean="0">
-                <a:solidFill>
-                  <a:schemeClr val="accent3">
-                    <a:lumMod val="50000"/>
-                  </a:schemeClr>
-                </a:solidFill>
-              </a:rPr>
-              <a:t>だ</a:t>
-            </a:r>
-            <a:endParaRPr lang="ja-JP" altLang="en-US" sz="1600" dirty="0" smtClean="0">
-              <a:solidFill>
-                <a:schemeClr val="accent3">
-                  <a:lumMod val="50000"/>
-                </a:schemeClr>
-              </a:solidFill>
-            </a:endParaRPr>
+              <a:t>人手などいらないのだ</a:t>
+            </a:r>
           </a:p>
         </p:txBody>
       </p:sp>
@@ -10562,19 +10460,7 @@
             </a:pPr>
             <a:r>
               <a:rPr lang="ja-JP" altLang="en-US" sz="2400" dirty="0" smtClean="0"/>
-              <a:t>☆主催</a:t>
-            </a:r>
-            <a:r>
-              <a:rPr lang="ja-JP" altLang="en-US" sz="2400" dirty="0" smtClean="0"/>
-              <a:t>　</a:t>
-            </a:r>
-            <a:r>
-              <a:rPr lang="ja-JP" altLang="en-US" sz="2400" dirty="0" smtClean="0"/>
-              <a:t>：元村長</a:t>
-            </a:r>
-            <a:r>
-              <a:rPr lang="ja-JP" altLang="en-US" sz="2400" dirty="0" smtClean="0"/>
-              <a:t>☆</a:t>
+              <a:t>☆主催　：元村長☆</a:t>
             </a:r>
           </a:p>
           <a:p>
@@ -10586,15 +10472,7 @@
             </a:pPr>
             <a:r>
               <a:rPr lang="ja-JP" altLang="en-US" sz="2400" dirty="0" smtClean="0"/>
-              <a:t>開催</a:t>
-            </a:r>
-            <a:r>
-              <a:rPr lang="ja-JP" altLang="en-US" sz="2400" dirty="0" smtClean="0"/>
-              <a:t>日　：</a:t>
-            </a:r>
-            <a:r>
-              <a:rPr lang="ja-JP" altLang="en-US" sz="2400" dirty="0" smtClean="0"/>
-              <a:t>デッドマンズデイ</a:t>
+              <a:t>開催日　：デッドマンズデイ</a:t>
             </a:r>
           </a:p>
           <a:p>
@@ -10606,17 +10484,8 @@
             </a:pPr>
             <a:r>
               <a:rPr lang="ja-JP" altLang="en-US" sz="2400" dirty="0" smtClean="0"/>
-              <a:t>景品　　 ：昇天</a:t>
-            </a:r>
-            <a:r>
-              <a:rPr lang="ja-JP" altLang="en-US" sz="2400" dirty="0" smtClean="0"/>
-              <a:t>する</a:t>
-            </a:r>
-            <a:r>
-              <a:rPr lang="ja-JP" altLang="en-US" sz="2400" dirty="0" smtClean="0"/>
-              <a:t>権利</a:t>
-            </a:r>
-            <a:endParaRPr lang="ja-JP" altLang="en-US" sz="2400" dirty="0" smtClean="0"/>
+              <a:t>景品　　 ：昇天する権利</a:t>
+            </a:r>
           </a:p>
         </p:txBody>
       </p:sp>
@@ -10655,31 +10524,15 @@
                   <a:srgbClr val="C00000"/>
                 </a:solidFill>
               </a:rPr>
-              <a:t>壊</a:t>
-            </a:r>
-            <a:r>
-              <a:rPr lang="ja-JP" altLang="en-US" dirty="0" err="1" smtClean="0">
+              <a:t>壊せ壊せ</a:t>
+            </a:r>
+            <a:r>
+              <a:rPr lang="ja-JP" altLang="en-US" dirty="0" smtClean="0">
                 <a:solidFill>
                   <a:srgbClr val="C00000"/>
                 </a:solidFill>
               </a:rPr>
-              <a:t>せ壊せ</a:t>
-            </a:r>
-            <a:r>
-              <a:rPr lang="ja-JP" altLang="en-US" dirty="0" smtClean="0">
-                <a:solidFill>
-                  <a:srgbClr val="C00000"/>
-                </a:solidFill>
-              </a:rPr>
-              <a:t>壊せ</a:t>
-            </a:r>
-            <a:r>
-              <a:rPr lang="ja-JP" altLang="en-US" dirty="0" smtClean="0">
-                <a:solidFill>
-                  <a:srgbClr val="C00000"/>
-                </a:solidFill>
-              </a:rPr>
-              <a:t>！</a:t>
+              <a:t>壊せ！</a:t>
             </a:r>
             <a:endParaRPr lang="en-US" altLang="ja-JP" dirty="0" smtClean="0">
               <a:solidFill>
@@ -10700,15 +10553,7 @@
                   <a:srgbClr val="C00000"/>
                 </a:solidFill>
               </a:rPr>
-              <a:t>倫理</a:t>
-            </a:r>
-            <a:r>
-              <a:rPr lang="ja-JP" altLang="en-US" dirty="0" smtClean="0">
-                <a:solidFill>
-                  <a:srgbClr val="C00000"/>
-                </a:solidFill>
-              </a:rPr>
-              <a:t>観なんて前世に置いてきた！</a:t>
+              <a:t>倫理観なんて前世に置いてきた！</a:t>
             </a:r>
           </a:p>
           <a:p>
@@ -10724,31 +10569,7 @@
                   <a:srgbClr val="C00000"/>
                 </a:solidFill>
               </a:rPr>
-              <a:t>ぜんぶ</a:t>
-            </a:r>
-            <a:r>
-              <a:rPr lang="ja-JP" altLang="en-US" dirty="0" smtClean="0">
-                <a:solidFill>
-                  <a:srgbClr val="C00000"/>
-                </a:solidFill>
-              </a:rPr>
-              <a:t>倒して</a:t>
-            </a:r>
-            <a:r>
-              <a:rPr lang="ja-JP" altLang="en-US" dirty="0" smtClean="0">
-                <a:solidFill>
-                  <a:srgbClr val="C00000"/>
-                </a:solidFill>
-              </a:rPr>
-              <a:t>優勝しろ</a:t>
-            </a:r>
-            <a:r>
-              <a:rPr lang="ja-JP" altLang="en-US" dirty="0" smtClean="0">
-                <a:solidFill>
-                  <a:srgbClr val="C00000"/>
-                </a:solidFill>
-              </a:rPr>
-              <a:t>！</a:t>
+              <a:t>ぜんぶ倒して優勝しろ！</a:t>
             </a:r>
             <a:endParaRPr lang="en-US" altLang="ja-JP" dirty="0" smtClean="0">
               <a:solidFill>
@@ -10819,29 +10640,8 @@
                   <a:srgbClr val="C00000"/>
                 </a:solidFill>
               </a:rPr>
-              <a:t>の</a:t>
-            </a:r>
-            <a:r>
-              <a:rPr lang="ja-JP" altLang="en-US" dirty="0" smtClean="0">
-                <a:solidFill>
-                  <a:srgbClr val="C00000"/>
-                </a:solidFill>
-              </a:rPr>
-              <a:t>開催だ</a:t>
-            </a:r>
-            <a:r>
-              <a:rPr lang="ja-JP" altLang="en-US" dirty="0" smtClean="0">
-                <a:solidFill>
-                  <a:srgbClr val="C00000"/>
-                </a:solidFill>
-              </a:rPr>
-              <a:t>！</a:t>
-            </a:r>
-            <a:endParaRPr lang="ja-JP" altLang="en-US" dirty="0" smtClean="0">
-              <a:solidFill>
-                <a:srgbClr val="C00000"/>
-              </a:solidFill>
-            </a:endParaRPr>
+              <a:t>の開催だ！</a:t>
+            </a:r>
           </a:p>
         </p:txBody>
       </p:sp>
